--- a/Connecting your bot with Connector Service.pptx
+++ b/Connecting your bot with Connector Service.pptx
@@ -9,23 +9,21 @@
     <p:sldMasterId id="2147484317" r:id="rId8"/>
   </p:sldMasterIdLst>
   <p:notesMasterIdLst>
-    <p:notesMasterId r:id="rId20"/>
+    <p:notesMasterId r:id="rId18"/>
   </p:notesMasterIdLst>
   <p:handoutMasterIdLst>
-    <p:handoutMasterId r:id="rId21"/>
+    <p:handoutMasterId r:id="rId19"/>
   </p:handoutMasterIdLst>
   <p:sldIdLst>
     <p:sldId id="1411" r:id="rId9"/>
     <p:sldId id="1400" r:id="rId10"/>
     <p:sldId id="1402" r:id="rId11"/>
     <p:sldId id="1405" r:id="rId12"/>
-    <p:sldId id="1407" r:id="rId13"/>
-    <p:sldId id="1408" r:id="rId14"/>
-    <p:sldId id="1409" r:id="rId15"/>
-    <p:sldId id="1410" r:id="rId16"/>
-    <p:sldId id="1396" r:id="rId17"/>
-    <p:sldId id="1326" r:id="rId18"/>
-    <p:sldId id="1395" r:id="rId19"/>
+    <p:sldId id="1408" r:id="rId13"/>
+    <p:sldId id="1409" r:id="rId14"/>
+    <p:sldId id="1396" r:id="rId15"/>
+    <p:sldId id="1326" r:id="rId16"/>
+    <p:sldId id="1395" r:id="rId17"/>
   </p:sldIdLst>
   <p:sldSz cx="12436475" cy="6994525"/>
   <p:notesSz cx="6858000" cy="9144000"/>
@@ -133,10 +131,8 @@
             <p14:sldId id="1400"/>
             <p14:sldId id="1402"/>
             <p14:sldId id="1405"/>
-            <p14:sldId id="1407"/>
             <p14:sldId id="1408"/>
             <p14:sldId id="1409"/>
-            <p14:sldId id="1410"/>
             <p14:sldId id="1396"/>
             <p14:sldId id="1326"/>
             <p14:sldId id="1395"/>
@@ -267,7 +263,7 @@
               <a:rPr lang="en-US" smtClean="0">
                 <a:latin typeface="Segoe UI" pitchFamily="34" charset="0"/>
               </a:rPr>
-              <a:t>10/16/2016 11:46 PM</a:t>
+              <a:t>10/17/2016 12:08 AM</a:t>
             </a:fld>
             <a:endParaRPr lang="en-US" dirty="0">
               <a:latin typeface="Segoe UI" pitchFamily="34" charset="0"/>
@@ -545,7 +541,7 @@
           <a:p>
             <a:fld id="{79C601B9-5273-467A-8E48-EC9939578C8F}" type="datetime8">
               <a:rPr lang="en-US" smtClean="0"/>
-              <a:t>10/16/2016 11:46 PM</a:t>
+              <a:t>10/17/2016 12:07 AM</a:t>
             </a:fld>
             <a:endParaRPr lang="en-US" dirty="0"/>
           </a:p>
@@ -855,7 +851,7 @@
           <a:p>
             <a:fld id="{A4F0ACD4-D3EE-44A8-9E50-40104FBD42A9}" type="slidenum">
               <a:rPr lang="en-GB" smtClean="0"/>
-              <a:t>9</a:t>
+              <a:t>7</a:t>
             </a:fld>
             <a:endParaRPr lang="en-GB" dirty="0"/>
           </a:p>
@@ -981,7 +977,7 @@
                   <a:prstClr val="black"/>
                 </a:solidFill>
               </a:rPr>
-              <a:t>10/16/2016 11:46 PM</a:t>
+              <a:t>10/17/2016 12:07 AM</a:t>
             </a:fld>
             <a:endParaRPr lang="en-US" dirty="0">
               <a:solidFill>
@@ -1013,7 +1009,7 @@
                 </a:solidFill>
               </a:rPr>
               <a:pPr/>
-              <a:t>10</a:t>
+              <a:t>8</a:t>
             </a:fld>
             <a:endParaRPr lang="en-US" dirty="0">
               <a:solidFill>
@@ -1155,7 +1151,7 @@
           <a:p>
             <a:fld id="{A4F0ACD4-D3EE-44A8-9E50-40104FBD42A9}" type="slidenum">
               <a:rPr lang="en-GB" smtClean="0"/>
-              <a:t>11</a:t>
+              <a:t>9</a:t>
             </a:fld>
             <a:endParaRPr lang="en-GB" dirty="0"/>
           </a:p>
@@ -25394,7 +25390,7 @@
           <a:p>
             <a:fld id="{21294558-F853-46DA-845C-C38CC3592FCC}" type="datetimeFigureOut">
               <a:rPr lang="en-US" smtClean="0"/>
-              <a:t>10/16/2016</a:t>
+              <a:t>10/17/2016</a:t>
             </a:fld>
             <a:endParaRPr lang="en-US"/>
           </a:p>
@@ -25978,161 +25974,6 @@
 </p:sld>
 </file>
 
-<file path=ppt/slides/slide10.xml><?xml version="1.0" encoding="utf-8"?>
-<p:sld xmlns:a="http://schemas.openxmlformats.org/drawingml/2006/main" xmlns:r="http://schemas.openxmlformats.org/officeDocument/2006/relationships" xmlns:p="http://schemas.openxmlformats.org/presentationml/2006/main">
-  <p:cSld>
-    <p:spTree>
-      <p:nvGrpSpPr>
-        <p:cNvPr id="1" name=""/>
-        <p:cNvGrpSpPr/>
-        <p:nvPr/>
-      </p:nvGrpSpPr>
-      <p:grpSpPr>
-        <a:xfrm>
-          <a:off x="0" y="0"/>
-          <a:ext cx="0" cy="0"/>
-          <a:chOff x="0" y="0"/>
-          <a:chExt cx="0" cy="0"/>
-        </a:xfrm>
-      </p:grpSpPr>
-    </p:spTree>
-    <p:extLst>
-      <p:ext uri="{BB962C8B-B14F-4D97-AF65-F5344CB8AC3E}">
-        <p14:creationId xmlns:p14="http://schemas.microsoft.com/office/powerpoint/2010/main" val="1066074585"/>
-      </p:ext>
-    </p:extLst>
-  </p:cSld>
-  <p:clrMapOvr>
-    <a:masterClrMapping/>
-  </p:clrMapOvr>
-  <mc:AlternateContent xmlns:mc="http://schemas.openxmlformats.org/markup-compatibility/2006" xmlns:p14="http://schemas.microsoft.com/office/powerpoint/2010/main">
-    <mc:Choice Requires="p14">
-      <p:transition spd="med" p14:dur="700">
-        <p:fade/>
-      </p:transition>
-    </mc:Choice>
-    <mc:Fallback xmlns="">
-      <p:transition spd="med">
-        <p:fade/>
-      </p:transition>
-    </mc:Fallback>
-  </mc:AlternateContent>
-</p:sld>
-</file>
-
-<file path=ppt/slides/slide11.xml><?xml version="1.0" encoding="utf-8"?>
-<p:sld xmlns:a="http://schemas.openxmlformats.org/drawingml/2006/main" xmlns:r="http://schemas.openxmlformats.org/officeDocument/2006/relationships" xmlns:p="http://schemas.openxmlformats.org/presentationml/2006/main">
-  <p:cSld>
-    <p:spTree>
-      <p:nvGrpSpPr>
-        <p:cNvPr id="1" name=""/>
-        <p:cNvGrpSpPr/>
-        <p:nvPr/>
-      </p:nvGrpSpPr>
-      <p:grpSpPr>
-        <a:xfrm>
-          <a:off x="0" y="0"/>
-          <a:ext cx="0" cy="0"/>
-          <a:chOff x="0" y="0"/>
-          <a:chExt cx="0" cy="0"/>
-        </a:xfrm>
-      </p:grpSpPr>
-      <p:sp>
-        <p:nvSpPr>
-          <p:cNvPr id="9" name="TextBox 8"/>
-          <p:cNvSpPr txBox="1"/>
-          <p:nvPr/>
-        </p:nvSpPr>
-        <p:spPr>
-          <a:xfrm>
-            <a:off x="655638" y="2659062"/>
-            <a:ext cx="2971800" cy="1040012"/>
-          </a:xfrm>
-          <a:prstGeom prst="rect">
-            <a:avLst/>
-          </a:prstGeom>
-          <a:noFill/>
-        </p:spPr>
-        <p:txBody>
-          <a:bodyPr wrap="square" lIns="186521" tIns="149217" rIns="186521" bIns="149217" rtlCol="0">
-            <a:spAutoFit/>
-          </a:bodyPr>
-          <a:lstStyle/>
-          <a:p>
-            <a:r>
-              <a:rPr lang="en-US" sz="4800" dirty="0">
-                <a:latin typeface="+mj-lt"/>
-              </a:rPr>
-              <a:t>Appendix</a:t>
-            </a:r>
-          </a:p>
-        </p:txBody>
-      </p:sp>
-      <p:sp>
-        <p:nvSpPr>
-          <p:cNvPr id="22" name="TextBox 21"/>
-          <p:cNvSpPr txBox="1"/>
-          <p:nvPr/>
-        </p:nvSpPr>
-        <p:spPr>
-          <a:xfrm>
-            <a:off x="0" y="6545262"/>
-            <a:ext cx="12434710" cy="467548"/>
-          </a:xfrm>
-          <a:prstGeom prst="rect">
-            <a:avLst/>
-          </a:prstGeom>
-          <a:noFill/>
-        </p:spPr>
-        <p:txBody>
-          <a:bodyPr wrap="square" lIns="186521" tIns="149217" rIns="186521" bIns="149217" rtlCol="0">
-            <a:spAutoFit/>
-          </a:bodyPr>
-          <a:lstStyle/>
-          <a:p>
-            <a:pPr algn="ctr">
-              <a:lnSpc>
-                <a:spcPct val="90000"/>
-              </a:lnSpc>
-              <a:spcAft>
-                <a:spcPts val="612"/>
-              </a:spcAft>
-            </a:pPr>
-            <a:r>
-              <a:rPr lang="en-US" sz="1200" dirty="0">
-                <a:gradFill>
-                  <a:gsLst>
-                    <a:gs pos="2917">
-                      <a:schemeClr val="tx1"/>
-                    </a:gs>
-                    <a:gs pos="30000">
-                      <a:schemeClr val="tx1"/>
-                    </a:gs>
-                  </a:gsLst>
-                  <a:lin ang="5400000" scaled="0"/>
-                </a:gradFill>
-              </a:rPr>
-              <a:t>Microsoft Confidential</a:t>
-            </a:r>
-          </a:p>
-        </p:txBody>
-      </p:sp>
-    </p:spTree>
-    <p:extLst>
-      <p:ext uri="{BB962C8B-B14F-4D97-AF65-F5344CB8AC3E}">
-        <p14:creationId xmlns:p14="http://schemas.microsoft.com/office/powerpoint/2010/main" val="3266748302"/>
-      </p:ext>
-    </p:extLst>
-  </p:cSld>
-  <p:clrMapOvr>
-    <a:masterClrMapping/>
-  </p:clrMapOvr>
-  <p:transition>
-    <p:fade/>
-  </p:transition>
-</p:sld>
-</file>
-
 <file path=ppt/slides/slide2.xml><?xml version="1.0" encoding="utf-8"?>
 <p:sld xmlns:a="http://schemas.openxmlformats.org/drawingml/2006/main" xmlns:r="http://schemas.openxmlformats.org/officeDocument/2006/relationships" xmlns:p="http://schemas.openxmlformats.org/presentationml/2006/main">
   <p:cSld>
@@ -26362,14 +26203,19 @@
             <p:ph type="title"/>
           </p:nvPr>
         </p:nvSpPr>
-        <p:spPr/>
+        <p:spPr>
+          <a:xfrm>
+            <a:off x="274638" y="2125662"/>
+            <a:ext cx="11887200" cy="1181862"/>
+          </a:xfrm>
+        </p:spPr>
         <p:txBody>
           <a:bodyPr/>
           <a:lstStyle/>
           <a:p>
             <a:r>
               <a:rPr lang="pt-BR" dirty="0" err="1"/>
-              <a:t>Your</a:t>
+              <a:t>Using</a:t>
             </a:r>
             <a:r>
               <a:rPr lang="pt-BR" dirty="0"/>
@@ -26377,15 +26223,7 @@
             </a:r>
             <a:r>
               <a:rPr lang="pt-BR" dirty="0" err="1"/>
-              <a:t>First</a:t>
-            </a:r>
-            <a:r>
-              <a:rPr lang="pt-BR" dirty="0"/>
-              <a:t> </a:t>
-            </a:r>
-            <a:r>
-              <a:rPr lang="pt-BR" dirty="0" err="1"/>
-              <a:t>Bot</a:t>
+              <a:t>Channels</a:t>
             </a:r>
             <a:endParaRPr lang="en-US" dirty="0"/>
           </a:p>
@@ -26434,18 +26272,75 @@
             <p:ph type="title"/>
           </p:nvPr>
         </p:nvSpPr>
-        <p:spPr/>
+        <p:spPr>
+          <a:xfrm>
+            <a:off x="274639" y="1209973"/>
+            <a:ext cx="10210798" cy="2751698"/>
+          </a:xfrm>
+        </p:spPr>
         <p:txBody>
           <a:bodyPr/>
           <a:lstStyle/>
           <a:p>
             <a:r>
               <a:rPr lang="pt-BR" dirty="0"/>
-              <a:t>DEMO - Setting </a:t>
+              <a:t>DEMO 5 - </a:t>
             </a:r>
             <a:r>
               <a:rPr lang="pt-BR" dirty="0" err="1"/>
-              <a:t>up</a:t>
+              <a:t>Using</a:t>
+            </a:r>
+            <a:r>
+              <a:rPr lang="pt-BR" dirty="0"/>
+              <a:t> </a:t>
+            </a:r>
+            <a:r>
+              <a:rPr lang="pt-BR" dirty="0" err="1"/>
+              <a:t>WebChat</a:t>
+            </a:r>
+            <a:r>
+              <a:rPr lang="pt-BR" dirty="0"/>
+              <a:t> </a:t>
+            </a:r>
+            <a:r>
+              <a:rPr lang="pt-BR" dirty="0" err="1"/>
+              <a:t>into</a:t>
+            </a:r>
+            <a:r>
+              <a:rPr lang="pt-BR" dirty="0"/>
+              <a:t> </a:t>
+            </a:r>
+            <a:r>
+              <a:rPr lang="pt-BR" dirty="0" err="1"/>
+              <a:t>your</a:t>
+            </a:r>
+            <a:r>
+              <a:rPr lang="pt-BR" dirty="0"/>
+              <a:t> website </a:t>
+            </a:r>
+            <a:r>
+              <a:rPr lang="pt-BR" dirty="0" err="1"/>
+              <a:t>or</a:t>
+            </a:r>
+            <a:r>
+              <a:rPr lang="pt-BR" dirty="0"/>
+              <a:t> as </a:t>
+            </a:r>
+            <a:r>
+              <a:rPr lang="pt-BR" dirty="0" err="1"/>
+              <a:t>your</a:t>
+            </a:r>
+            <a:r>
+              <a:rPr lang="pt-BR" dirty="0"/>
+              <a:t> </a:t>
+            </a:r>
+            <a:r>
+              <a:rPr lang="pt-BR" dirty="0" err="1"/>
+              <a:t>bot</a:t>
+            </a:r>
+            <a:r>
+              <a:rPr lang="pt-BR" dirty="0"/>
+              <a:t> homepage</a:t>
             </a:r>
             <a:endParaRPr lang="en-US" dirty="0"/>
           </a:p>
@@ -26461,7 +26356,12 @@
             <p:ph type="body" sz="quarter" idx="12"/>
           </p:nvPr>
         </p:nvSpPr>
-        <p:spPr/>
+        <p:spPr>
+          <a:xfrm>
+            <a:off x="242887" y="4335462"/>
+            <a:ext cx="10058401" cy="1829593"/>
+          </a:xfrm>
+        </p:spPr>
         <p:txBody>
           <a:bodyPr/>
           <a:lstStyle/>
@@ -26473,7 +26373,7 @@
     </p:spTree>
     <p:extLst>
       <p:ext uri="{BB962C8B-B14F-4D97-AF65-F5344CB8AC3E}">
-        <p14:creationId xmlns:p14="http://schemas.microsoft.com/office/powerpoint/2010/main" val="3573206447"/>
+        <p14:creationId xmlns:p14="http://schemas.microsoft.com/office/powerpoint/2010/main" val="3523134249"/>
       </p:ext>
     </p:extLst>
   </p:cSld>
@@ -26529,11 +26429,11 @@
           <a:p>
             <a:r>
               <a:rPr lang="pt-BR" dirty="0"/>
-              <a:t>DEMO 1 - </a:t>
+              <a:t>DEMO 6 – </a:t>
             </a:r>
             <a:r>
               <a:rPr lang="pt-BR" dirty="0" err="1"/>
-              <a:t>Creating</a:t>
+              <a:t>Connecting</a:t>
             </a:r>
             <a:r>
               <a:rPr lang="pt-BR" dirty="0"/>
@@ -26541,7 +26441,7 @@
             </a:r>
             <a:r>
               <a:rPr lang="pt-BR" dirty="0" err="1"/>
-              <a:t>your</a:t>
+              <a:t>to</a:t>
             </a:r>
             <a:r>
               <a:rPr lang="pt-BR" dirty="0"/>
@@ -26549,27 +26449,11 @@
             </a:r>
             <a:r>
               <a:rPr lang="pt-BR" dirty="0" err="1"/>
-              <a:t>first</a:t>
+              <a:t>Facebook</a:t>
             </a:r>
             <a:r>
               <a:rPr lang="pt-BR" dirty="0"/>
-              <a:t> </a:t>
-            </a:r>
-            <a:r>
-              <a:rPr lang="pt-BR" dirty="0" err="1"/>
-              <a:t>bot</a:t>
-            </a:r>
-            <a:r>
-              <a:rPr lang="pt-BR" dirty="0"/>
-              <a:t> </a:t>
-            </a:r>
-            <a:r>
-              <a:rPr lang="pt-BR" dirty="0" err="1"/>
-              <a:t>using</a:t>
-            </a:r>
-            <a:r>
-              <a:rPr lang="pt-BR" dirty="0"/>
-              <a:t> Visual Studio</a:t>
+              <a:t> Messenger</a:t>
             </a:r>
             <a:endParaRPr lang="en-US" dirty="0"/>
           </a:p>
@@ -26590,14 +26474,14 @@
           <a:bodyPr/>
           <a:lstStyle/>
           <a:p>
-            <a:endParaRPr lang="en-US"/>
+            <a:endParaRPr lang="en-US" dirty="0"/>
           </a:p>
         </p:txBody>
       </p:sp>
     </p:spTree>
     <p:extLst>
       <p:ext uri="{BB962C8B-B14F-4D97-AF65-F5344CB8AC3E}">
-        <p14:creationId xmlns:p14="http://schemas.microsoft.com/office/powerpoint/2010/main" val="3523134249"/>
+        <p14:creationId xmlns:p14="http://schemas.microsoft.com/office/powerpoint/2010/main" val="1214508579"/>
       </p:ext>
     </p:extLst>
   </p:cSld>
@@ -26638,104 +26522,97 @@
       </p:grpSpPr>
       <p:sp>
         <p:nvSpPr>
-          <p:cNvPr id="2" name="Título 1"/>
-          <p:cNvSpPr>
-            <a:spLocks noGrp="1"/>
-          </p:cNvSpPr>
-          <p:nvPr>
-            <p:ph type="title"/>
-          </p:nvPr>
+          <p:cNvPr id="9" name="TextBox 8"/>
+          <p:cNvSpPr txBox="1"/>
+          <p:nvPr/>
         </p:nvSpPr>
-        <p:spPr/>
+        <p:spPr>
+          <a:xfrm>
+            <a:off x="655637" y="2659062"/>
+            <a:ext cx="5333999" cy="1040012"/>
+          </a:xfrm>
+          <a:prstGeom prst="rect">
+            <a:avLst/>
+          </a:prstGeom>
+          <a:noFill/>
+        </p:spPr>
         <p:txBody>
-          <a:bodyPr/>
+          <a:bodyPr wrap="square" lIns="186521" tIns="149217" rIns="186521" bIns="149217" rtlCol="0">
+            <a:spAutoFit/>
+          </a:bodyPr>
           <a:lstStyle/>
           <a:p>
             <a:r>
-              <a:rPr lang="pt-BR" dirty="0"/>
-              <a:t>DEMO 2 – </a:t>
-            </a:r>
-            <a:r>
-              <a:rPr lang="pt-BR" dirty="0" err="1"/>
-              <a:t>Creating</a:t>
-            </a:r>
-            <a:r>
-              <a:rPr lang="pt-BR" dirty="0"/>
-              <a:t> </a:t>
-            </a:r>
-            <a:r>
-              <a:rPr lang="pt-BR" dirty="0" err="1"/>
-              <a:t>webapp</a:t>
-            </a:r>
-            <a:r>
-              <a:rPr lang="pt-BR" dirty="0"/>
-              <a:t> </a:t>
-            </a:r>
-            <a:r>
-              <a:rPr lang="pt-BR" dirty="0" err="1"/>
-              <a:t>to</a:t>
-            </a:r>
-            <a:r>
-              <a:rPr lang="pt-BR" dirty="0"/>
-              <a:t> host </a:t>
-            </a:r>
-            <a:r>
-              <a:rPr lang="pt-BR" dirty="0" err="1"/>
-              <a:t>your</a:t>
-            </a:r>
-            <a:r>
-              <a:rPr lang="pt-BR" dirty="0"/>
-              <a:t> </a:t>
-            </a:r>
-            <a:r>
-              <a:rPr lang="pt-BR" dirty="0" err="1"/>
-              <a:t>bot</a:t>
-            </a:r>
-            <a:endParaRPr lang="en-US" dirty="0"/>
+              <a:rPr lang="en-US" sz="4800" dirty="0">
+                <a:latin typeface="+mj-lt"/>
+              </a:rPr>
+              <a:t>Thank you!</a:t>
+            </a:r>
           </a:p>
         </p:txBody>
       </p:sp>
       <p:sp>
         <p:nvSpPr>
-          <p:cNvPr id="3" name="Espaço Reservado para Texto 2"/>
-          <p:cNvSpPr>
-            <a:spLocks noGrp="1"/>
-          </p:cNvSpPr>
-          <p:nvPr>
-            <p:ph type="body" sz="quarter" idx="12"/>
-          </p:nvPr>
+          <p:cNvPr id="22" name="TextBox 21"/>
+          <p:cNvSpPr txBox="1"/>
+          <p:nvPr/>
         </p:nvSpPr>
-        <p:spPr/>
+        <p:spPr>
+          <a:xfrm>
+            <a:off x="0" y="6545262"/>
+            <a:ext cx="12434710" cy="467548"/>
+          </a:xfrm>
+          <a:prstGeom prst="rect">
+            <a:avLst/>
+          </a:prstGeom>
+          <a:noFill/>
+        </p:spPr>
         <p:txBody>
-          <a:bodyPr/>
+          <a:bodyPr wrap="square" lIns="186521" tIns="149217" rIns="186521" bIns="149217" rtlCol="0">
+            <a:spAutoFit/>
+          </a:bodyPr>
           <a:lstStyle/>
           <a:p>
-            <a:endParaRPr lang="en-US"/>
+            <a:pPr algn="ctr">
+              <a:lnSpc>
+                <a:spcPct val="90000"/>
+              </a:lnSpc>
+              <a:spcAft>
+                <a:spcPts val="612"/>
+              </a:spcAft>
+            </a:pPr>
+            <a:r>
+              <a:rPr lang="en-US" sz="1200" dirty="0">
+                <a:gradFill>
+                  <a:gsLst>
+                    <a:gs pos="2917">
+                      <a:schemeClr val="tx1"/>
+                    </a:gs>
+                    <a:gs pos="30000">
+                      <a:schemeClr val="tx1"/>
+                    </a:gs>
+                  </a:gsLst>
+                  <a:lin ang="5400000" scaled="0"/>
+                </a:gradFill>
+              </a:rPr>
+              <a:t>Microsoft Confidential</a:t>
+            </a:r>
           </a:p>
         </p:txBody>
       </p:sp>
     </p:spTree>
     <p:extLst>
       <p:ext uri="{BB962C8B-B14F-4D97-AF65-F5344CB8AC3E}">
-        <p14:creationId xmlns:p14="http://schemas.microsoft.com/office/powerpoint/2010/main" val="1214508579"/>
+        <p14:creationId xmlns:p14="http://schemas.microsoft.com/office/powerpoint/2010/main" val="691816159"/>
       </p:ext>
     </p:extLst>
   </p:cSld>
   <p:clrMapOvr>
     <a:masterClrMapping/>
   </p:clrMapOvr>
-  <mc:AlternateContent xmlns:mc="http://schemas.openxmlformats.org/markup-compatibility/2006" xmlns:p14="http://schemas.microsoft.com/office/powerpoint/2010/main">
-    <mc:Choice Requires="p14">
-      <p:transition spd="slow" p14:dur="3400">
-        <p14:reveal/>
-      </p:transition>
-    </mc:Choice>
-    <mc:Fallback xmlns="">
-      <p:transition spd="slow">
-        <p:fade/>
-      </p:transition>
-    </mc:Fallback>
-  </mc:AlternateContent>
+  <p:transition>
+    <p:fade/>
+  </p:transition>
 </p:sld>
 </file>
 
@@ -26756,92 +26633,10 @@
           <a:chExt cx="0" cy="0"/>
         </a:xfrm>
       </p:grpSpPr>
-      <p:sp>
-        <p:nvSpPr>
-          <p:cNvPr id="2" name="Título 1"/>
-          <p:cNvSpPr>
-            <a:spLocks noGrp="1"/>
-          </p:cNvSpPr>
-          <p:nvPr>
-            <p:ph type="title"/>
-          </p:nvPr>
-        </p:nvSpPr>
-        <p:spPr/>
-        <p:txBody>
-          <a:bodyPr/>
-          <a:lstStyle/>
-          <a:p>
-            <a:r>
-              <a:rPr lang="pt-BR" dirty="0"/>
-              <a:t>DEMO – </a:t>
-            </a:r>
-            <a:r>
-              <a:rPr lang="pt-BR" dirty="0" err="1"/>
-              <a:t>Registering</a:t>
-            </a:r>
-            <a:r>
-              <a:rPr lang="pt-BR" dirty="0"/>
-              <a:t> </a:t>
-            </a:r>
-            <a:r>
-              <a:rPr lang="pt-BR" dirty="0" err="1"/>
-              <a:t>your</a:t>
-            </a:r>
-            <a:r>
-              <a:rPr lang="pt-BR" dirty="0"/>
-              <a:t> </a:t>
-            </a:r>
-            <a:r>
-              <a:rPr lang="pt-BR" dirty="0" err="1"/>
-              <a:t>bot</a:t>
-            </a:r>
-            <a:r>
-              <a:rPr lang="pt-BR" dirty="0"/>
-              <a:t> </a:t>
-            </a:r>
-            <a:r>
-              <a:rPr lang="pt-BR" dirty="0" err="1"/>
-              <a:t>at</a:t>
-            </a:r>
-            <a:r>
-              <a:rPr lang="pt-BR" dirty="0"/>
-              <a:t> </a:t>
-            </a:r>
-            <a:r>
-              <a:rPr lang="pt-BR" dirty="0" err="1"/>
-              <a:t>Bot</a:t>
-            </a:r>
-            <a:r>
-              <a:rPr lang="pt-BR" dirty="0"/>
-              <a:t> Framework</a:t>
-            </a:r>
-            <a:endParaRPr lang="en-US" dirty="0"/>
-          </a:p>
-        </p:txBody>
-      </p:sp>
-      <p:sp>
-        <p:nvSpPr>
-          <p:cNvPr id="3" name="Espaço Reservado para Texto 2"/>
-          <p:cNvSpPr>
-            <a:spLocks noGrp="1"/>
-          </p:cNvSpPr>
-          <p:nvPr>
-            <p:ph type="body" sz="quarter" idx="12"/>
-          </p:nvPr>
-        </p:nvSpPr>
-        <p:spPr/>
-        <p:txBody>
-          <a:bodyPr/>
-          <a:lstStyle/>
-          <a:p>
-            <a:endParaRPr lang="en-US"/>
-          </a:p>
-        </p:txBody>
-      </p:sp>
     </p:spTree>
     <p:extLst>
       <p:ext uri="{BB962C8B-B14F-4D97-AF65-F5344CB8AC3E}">
-        <p14:creationId xmlns:p14="http://schemas.microsoft.com/office/powerpoint/2010/main" val="781397914"/>
+        <p14:creationId xmlns:p14="http://schemas.microsoft.com/office/powerpoint/2010/main" val="1066074585"/>
       </p:ext>
     </p:extLst>
   </p:cSld>
@@ -26850,12 +26645,12 @@
   </p:clrMapOvr>
   <mc:AlternateContent xmlns:mc="http://schemas.openxmlformats.org/markup-compatibility/2006" xmlns:p14="http://schemas.microsoft.com/office/powerpoint/2010/main">
     <mc:Choice Requires="p14">
-      <p:transition spd="slow" p14:dur="3400">
-        <p14:reveal/>
+      <p:transition spd="med" p14:dur="700">
+        <p:fade/>
       </p:transition>
     </mc:Choice>
     <mc:Fallback xmlns="">
-      <p:transition spd="slow">
+      <p:transition spd="med">
         <p:fade/>
       </p:transition>
     </mc:Fallback>
@@ -26888,8 +26683,8 @@
         </p:nvSpPr>
         <p:spPr>
           <a:xfrm>
-            <a:off x="655637" y="2659062"/>
-            <a:ext cx="5333999" cy="1040012"/>
+            <a:off x="655638" y="2659062"/>
+            <a:ext cx="2971800" cy="1040012"/>
           </a:xfrm>
           <a:prstGeom prst="rect">
             <a:avLst/>
@@ -26906,7 +26701,7 @@
               <a:rPr lang="en-US" sz="4800" dirty="0">
                 <a:latin typeface="+mj-lt"/>
               </a:rPr>
-              <a:t>Thank you!</a:t>
+              <a:t>Appendix</a:t>
             </a:r>
           </a:p>
         </p:txBody>
@@ -26963,7 +26758,7 @@
     </p:spTree>
     <p:extLst>
       <p:ext uri="{BB962C8B-B14F-4D97-AF65-F5344CB8AC3E}">
-        <p14:creationId xmlns:p14="http://schemas.microsoft.com/office/powerpoint/2010/main" val="691816159"/>
+        <p14:creationId xmlns:p14="http://schemas.microsoft.com/office/powerpoint/2010/main" val="3266748302"/>
       </p:ext>
     </p:extLst>
   </p:cSld>
@@ -28952,12 +28747,12 @@
 </file>
 
 <file path=customXml/item1.xml><?xml version="1.0" encoding="utf-8"?>
-<?mso-contentType ?>
-<FormTemplates xmlns="http://schemas.microsoft.com/sharepoint/v3/contenttype/forms">
-  <Display>DocumentLibraryForm</Display>
-  <Edit>DocumentLibraryForm</Edit>
-  <New>DocumentLibraryForm</New>
-</FormTemplates>
+<p:properties xmlns:p="http://schemas.microsoft.com/office/2006/metadata/properties" xmlns:xsi="http://www.w3.org/2001/XMLSchema-instance" xmlns:pc="http://schemas.microsoft.com/office/infopath/2007/PartnerControls">
+  <documentManagement>
+    <_ip_UnifiedCompliancePolicyUIAction xmlns="http://schemas.microsoft.com/sharepoint/v3" xsi:nil="true"/>
+    <_ip_UnifiedCompliancePolicyProperties xmlns="http://schemas.microsoft.com/sharepoint/v3" xsi:nil="true"/>
+  </documentManagement>
+</p:properties>
 </file>
 
 <file path=customXml/item2.xml><?xml version="1.0" encoding="utf-8"?>
@@ -29140,18 +28935,27 @@
 </file>
 
 <file path=customXml/item3.xml><?xml version="1.0" encoding="utf-8"?>
-<p:properties xmlns:p="http://schemas.microsoft.com/office/2006/metadata/properties" xmlns:xsi="http://www.w3.org/2001/XMLSchema-instance" xmlns:pc="http://schemas.microsoft.com/office/infopath/2007/PartnerControls">
-  <documentManagement>
-    <_ip_UnifiedCompliancePolicyUIAction xmlns="http://schemas.microsoft.com/sharepoint/v3" xsi:nil="true"/>
-    <_ip_UnifiedCompliancePolicyProperties xmlns="http://schemas.microsoft.com/sharepoint/v3" xsi:nil="true"/>
-  </documentManagement>
-</p:properties>
+<?mso-contentType ?>
+<FormTemplates xmlns="http://schemas.microsoft.com/sharepoint/v3/contenttype/forms">
+  <Display>DocumentLibraryForm</Display>
+  <Edit>DocumentLibraryForm</Edit>
+  <New>DocumentLibraryForm</New>
+</FormTemplates>
 </file>
 
 <file path=customXml/itemProps1.xml><?xml version="1.0" encoding="utf-8"?>
-<ds:datastoreItem xmlns:ds="http://schemas.openxmlformats.org/officeDocument/2006/customXml" ds:itemID="{758FDAC0-319D-4A54-8D8E-1D42CB1F8004}">
+<ds:datastoreItem xmlns:ds="http://schemas.openxmlformats.org/officeDocument/2006/customXml" ds:itemID="{F990F116-B58F-4255-B05B-DA3808E0E5C6}">
   <ds:schemaRefs>
-    <ds:schemaRef ds:uri="http://schemas.microsoft.com/sharepoint/v3/contenttype/forms"/>
+    <ds:schemaRef ds:uri="http://purl.org/dc/elements/1.1/"/>
+    <ds:schemaRef ds:uri="http://purl.org/dc/dcmitype/"/>
+    <ds:schemaRef ds:uri="http://schemas.openxmlformats.org/package/2006/metadata/core-properties"/>
+    <ds:schemaRef ds:uri="http://purl.org/dc/terms/"/>
+    <ds:schemaRef ds:uri="http://schemas.microsoft.com/office/infopath/2007/PartnerControls"/>
+    <ds:schemaRef ds:uri="http://schemas.microsoft.com/sharepoint/v3"/>
+    <ds:schemaRef ds:uri="http://schemas.microsoft.com/office/2006/documentManagement/types"/>
+    <ds:schemaRef ds:uri="http://schemas.microsoft.com/office/2006/metadata/properties"/>
+    <ds:schemaRef ds:uri="http://www.w3.org/XML/1998/namespace"/>
+    <ds:schemaRef ds:uri="d87d3f9f-2250-40d8-b5bc-a0322da27611"/>
   </ds:schemaRefs>
 </ds:datastoreItem>
 </file>
@@ -29176,18 +28980,9 @@
 </file>
 
 <file path=customXml/itemProps3.xml><?xml version="1.0" encoding="utf-8"?>
-<ds:datastoreItem xmlns:ds="http://schemas.openxmlformats.org/officeDocument/2006/customXml" ds:itemID="{F990F116-B58F-4255-B05B-DA3808E0E5C6}">
+<ds:datastoreItem xmlns:ds="http://schemas.openxmlformats.org/officeDocument/2006/customXml" ds:itemID="{758FDAC0-319D-4A54-8D8E-1D42CB1F8004}">
   <ds:schemaRefs>
-    <ds:schemaRef ds:uri="http://purl.org/dc/elements/1.1/"/>
-    <ds:schemaRef ds:uri="http://purl.org/dc/dcmitype/"/>
-    <ds:schemaRef ds:uri="http://schemas.openxmlformats.org/package/2006/metadata/core-properties"/>
-    <ds:schemaRef ds:uri="http://purl.org/dc/terms/"/>
-    <ds:schemaRef ds:uri="http://schemas.microsoft.com/office/infopath/2007/PartnerControls"/>
-    <ds:schemaRef ds:uri="http://schemas.microsoft.com/sharepoint/v3"/>
-    <ds:schemaRef ds:uri="http://schemas.microsoft.com/office/2006/documentManagement/types"/>
-    <ds:schemaRef ds:uri="http://schemas.microsoft.com/office/2006/metadata/properties"/>
-    <ds:schemaRef ds:uri="http://www.w3.org/XML/1998/namespace"/>
-    <ds:schemaRef ds:uri="d87d3f9f-2250-40d8-b5bc-a0322da27611"/>
+    <ds:schemaRef ds:uri="http://schemas.microsoft.com/sharepoint/v3/contenttype/forms"/>
   </ds:schemaRefs>
 </ds:datastoreItem>
 </file>